--- a/docs/quasar.pptx
+++ b/docs/quasar.pptx
@@ -3394,61 +3394,6 @@
             <a:avLst/>
           </a:prstGeom>
           <a:solidFill>
-            <a:schemeClr val="tx2">
-              <a:lumMod val="90000"/>
-              <a:lumOff val="10000"/>
-            </a:schemeClr>
-          </a:solidFill>
-          <a:ln>
-            <a:noFill/>
-          </a:ln>
-        </p:spPr>
-        <p:style>
-          <a:lnRef idx="2">
-            <a:schemeClr val="accent1">
-              <a:shade val="15000"/>
-            </a:schemeClr>
-          </a:lnRef>
-          <a:fillRef idx="1">
-            <a:schemeClr val="accent1"/>
-          </a:fillRef>
-          <a:effectRef idx="0">
-            <a:schemeClr val="accent1"/>
-          </a:effectRef>
-          <a:fontRef idx="minor">
-            <a:schemeClr val="lt1"/>
-          </a:fontRef>
-        </p:style>
-        <p:txBody>
-          <a:bodyPr rtlCol="0" anchor="ctr"/>
-          <a:lstStyle/>
-          <a:p>
-            <a:pPr algn="ctr"/>
-            <a:endParaRPr lang="es-ES"/>
-          </a:p>
-        </p:txBody>
-      </p:sp>
-      <p:sp>
-        <p:nvSpPr>
-          <p:cNvPr id="6" name="Elipse 5">
-            <a:extLst>
-              <a:ext uri="{FF2B5EF4-FFF2-40B4-BE49-F238E27FC236}">
-                <a16:creationId xmlns:a16="http://schemas.microsoft.com/office/drawing/2014/main" id="{2C361965-1071-8EFC-5509-D0AD2FD68060}"/>
-              </a:ext>
-            </a:extLst>
-          </p:cNvPr>
-          <p:cNvSpPr/>
-          <p:nvPr/>
-        </p:nvSpPr>
-        <p:spPr>
-          <a:xfrm>
-            <a:off x="1949157" y="2095809"/>
-            <a:ext cx="2499419" cy="2407773"/>
-          </a:xfrm>
-          <a:prstGeom prst="ellipse">
-            <a:avLst/>
-          </a:prstGeom>
-          <a:solidFill>
             <a:schemeClr val="bg1"/>
           </a:solidFill>
           <a:ln>
@@ -3482,6 +3427,58 @@
       </p:sp>
       <p:sp>
         <p:nvSpPr>
+          <p:cNvPr id="6" name="Elipse 5">
+            <a:extLst>
+              <a:ext uri="{FF2B5EF4-FFF2-40B4-BE49-F238E27FC236}">
+                <a16:creationId xmlns:a16="http://schemas.microsoft.com/office/drawing/2014/main" id="{2C361965-1071-8EFC-5509-D0AD2FD68060}"/>
+              </a:ext>
+            </a:extLst>
+          </p:cNvPr>
+          <p:cNvSpPr/>
+          <p:nvPr/>
+        </p:nvSpPr>
+        <p:spPr>
+          <a:xfrm>
+            <a:off x="1949157" y="2095809"/>
+            <a:ext cx="2499419" cy="2407773"/>
+          </a:xfrm>
+          <a:prstGeom prst="ellipse">
+            <a:avLst/>
+          </a:prstGeom>
+          <a:solidFill>
+            <a:srgbClr val="232D3A"/>
+          </a:solidFill>
+          <a:ln>
+            <a:noFill/>
+          </a:ln>
+        </p:spPr>
+        <p:style>
+          <a:lnRef idx="2">
+            <a:schemeClr val="accent1">
+              <a:shade val="15000"/>
+            </a:schemeClr>
+          </a:lnRef>
+          <a:fillRef idx="1">
+            <a:schemeClr val="accent1"/>
+          </a:fillRef>
+          <a:effectRef idx="0">
+            <a:schemeClr val="accent1"/>
+          </a:effectRef>
+          <a:fontRef idx="minor">
+            <a:schemeClr val="lt1"/>
+          </a:fontRef>
+        </p:style>
+        <p:txBody>
+          <a:bodyPr rtlCol="0" anchor="ctr"/>
+          <a:lstStyle/>
+          <a:p>
+            <a:pPr algn="ctr"/>
+            <a:endParaRPr lang="es-ES" dirty="0"/>
+          </a:p>
+        </p:txBody>
+      </p:sp>
+      <p:sp>
+        <p:nvSpPr>
           <p:cNvPr id="8" name="Rectángulo 7">
             <a:extLst>
               <a:ext uri="{FF2B5EF4-FFF2-40B4-BE49-F238E27FC236}">
@@ -3501,10 +3498,7 @@
             <a:avLst/>
           </a:prstGeom>
           <a:solidFill>
-            <a:schemeClr val="tx2">
-              <a:lumMod val="90000"/>
-              <a:lumOff val="10000"/>
-            </a:schemeClr>
+            <a:schemeClr val="bg1"/>
           </a:solidFill>
           <a:ln>
             <a:noFill/>
@@ -3623,10 +3617,7 @@
             </a:pathLst>
           </a:custGeom>
           <a:solidFill>
-            <a:schemeClr val="tx2">
-              <a:lumMod val="90000"/>
-              <a:lumOff val="10000"/>
-            </a:schemeClr>
+            <a:schemeClr val="bg1"/>
           </a:solidFill>
           <a:ln>
             <a:noFill/>
@@ -3678,7 +3669,7 @@
             <a:avLst/>
           </a:prstGeom>
           <a:solidFill>
-            <a:schemeClr val="bg1"/>
+            <a:srgbClr val="232D3A"/>
           </a:solidFill>
           <a:ln>
             <a:noFill/>
